--- a/Тамагочи.pptx
+++ b/Тамагочи.pptx
@@ -111,6 +111,11 @@
       </a:defRPr>
     </a:lvl9pPr>
   </p:defaultTextStyle>
+  <p:extLst>
+    <p:ext uri="{EFAFB233-063F-42B5-8137-9DF3F51BA10A}">
+      <p15:sldGuideLst xmlns:p15="http://schemas.microsoft.com/office/powerpoint/2012/main"/>
+    </p:ext>
+  </p:extLst>
 </p:presentation>
 </file>
 
@@ -269,7 +274,7 @@
           <a:p>
             <a:fld id="{CA430C0A-5464-4FE4-84EB-FF9C94016DF4}" type="datetimeFigureOut">
               <a:rPr lang="en-US" dirty="0"/>
-              <a:t>1/27/2025</a:t>
+              <a:t>2/8/2025</a:t>
             </a:fld>
             <a:endParaRPr lang="en-US" dirty="0"/>
           </a:p>
@@ -435,7 +440,7 @@
           <a:p>
             <a:fld id="{E9F9C37B-1D36-470B-8223-D6C91242EC14}" type="datetimeFigureOut">
               <a:rPr lang="en-US" dirty="0"/>
-              <a:t>1/27/2025</a:t>
+              <a:t>2/8/2025</a:t>
             </a:fld>
             <a:endParaRPr lang="en-US" dirty="0"/>
           </a:p>
@@ -610,7 +615,7 @@
           <a:p>
             <a:fld id="{67C6F52A-A82B-47A2-A83A-8C4C91F2D59F}" type="datetimeFigureOut">
               <a:rPr lang="en-US" dirty="0"/>
-              <a:t>1/27/2025</a:t>
+              <a:t>2/8/2025</a:t>
             </a:fld>
             <a:endParaRPr lang="en-US" dirty="0"/>
           </a:p>
@@ -775,7 +780,7 @@
           <a:p>
             <a:fld id="{F070A7B3-6521-4DCA-87E5-044747A908C1}" type="datetimeFigureOut">
               <a:rPr lang="en-US" dirty="0"/>
-              <a:t>1/27/2025</a:t>
+              <a:t>2/8/2025</a:t>
             </a:fld>
             <a:endParaRPr lang="en-US" dirty="0"/>
           </a:p>
@@ -1031,7 +1036,7 @@
           <a:p>
             <a:fld id="{360C6404-AD6E-4860-8E75-697CA40B95DA}" type="datetimeFigureOut">
               <a:rPr lang="en-US" dirty="0"/>
-              <a:t>1/27/2025</a:t>
+              <a:t>2/8/2025</a:t>
             </a:fld>
             <a:endParaRPr lang="en-US" dirty="0"/>
           </a:p>
@@ -1259,7 +1264,7 @@
           <a:p>
             <a:fld id="{AB134690-1557-4C89-A502-4959FE7FAD70}" type="datetimeFigureOut">
               <a:rPr lang="en-US" dirty="0"/>
-              <a:t>1/27/2025</a:t>
+              <a:t>2/8/2025</a:t>
             </a:fld>
             <a:endParaRPr lang="en-US" dirty="0"/>
           </a:p>
@@ -1609,7 +1614,7 @@
           <a:p>
             <a:fld id="{4F7D4976-E339-4826-83B7-FBD03F55ECF8}" type="datetimeFigureOut">
               <a:rPr lang="en-US" dirty="0"/>
-              <a:t>1/27/2025</a:t>
+              <a:t>2/8/2025</a:t>
             </a:fld>
             <a:endParaRPr lang="en-US" dirty="0"/>
           </a:p>
@@ -1745,7 +1750,7 @@
           <a:p>
             <a:fld id="{E1037C31-9E7A-4F99-8774-A0E530DE1A42}" type="datetimeFigureOut">
               <a:rPr lang="en-US" dirty="0"/>
-              <a:t>1/27/2025</a:t>
+              <a:t>2/8/2025</a:t>
             </a:fld>
             <a:endParaRPr lang="en-US" dirty="0"/>
           </a:p>
@@ -1835,7 +1840,7 @@
           <a:p>
             <a:fld id="{C278504F-A551-4DE0-9316-4DCD1D8CC752}" type="datetimeFigureOut">
               <a:rPr lang="en-US" dirty="0"/>
-              <a:t>1/27/2025</a:t>
+              <a:t>2/8/2025</a:t>
             </a:fld>
             <a:endParaRPr lang="en-US" dirty="0"/>
           </a:p>
@@ -2187,7 +2192,7 @@
           <a:p>
             <a:fld id="{D1BE4249-C0D0-4B06-8692-E8BB871AF643}" type="datetimeFigureOut">
               <a:rPr lang="en-US" dirty="0"/>
-              <a:t>1/27/2025</a:t>
+              <a:t>2/8/2025</a:t>
             </a:fld>
             <a:endParaRPr lang="en-US" dirty="0"/>
           </a:p>
@@ -2500,7 +2505,7 @@
           <a:p>
             <a:fld id="{042B0DB6-F5C7-45FB-8CF3-31B45F9C2DAC}" type="datetimeFigureOut">
               <a:rPr lang="en-US" dirty="0"/>
-              <a:t>1/27/2025</a:t>
+              <a:t>2/8/2025</a:t>
             </a:fld>
             <a:endParaRPr lang="en-US" dirty="0"/>
           </a:p>
@@ -2740,7 +2745,7 @@
           <a:p>
             <a:fld id="{1160EA64-D806-43AC-9DF2-F8C432F32B4C}" type="datetimeFigureOut">
               <a:rPr lang="en-US" dirty="0"/>
-              <a:t>1/27/2025</a:t>
+              <a:t>2/8/2025</a:t>
             </a:fld>
             <a:endParaRPr lang="en-US" dirty="0"/>
           </a:p>
@@ -3712,7 +3717,51 @@
           <a:bodyPr/>
           <a:lstStyle/>
           <a:p>
-            <a:endParaRPr lang="ru-RU"/>
+            <a:r>
+              <a:rPr lang="ru-RU" dirty="0"/>
+              <a:t>Предусмотрены все нужды пользователя</a:t>
+            </a:r>
+            <a:r>
+              <a:rPr lang="en-US" dirty="0"/>
+              <a:t>, </a:t>
+            </a:r>
+            <a:r>
+              <a:rPr lang="ru-RU" dirty="0"/>
+              <a:t>интерфейс можно изменить в зависимости от предпочтений</a:t>
+            </a:r>
+            <a:r>
+              <a:rPr lang="en-US" dirty="0"/>
+              <a:t>;</a:t>
+            </a:r>
+          </a:p>
+          <a:p>
+            <a:r>
+              <a:rPr lang="ru-RU" dirty="0"/>
+              <a:t>Небольшая обработка ошибок</a:t>
+            </a:r>
+            <a:r>
+              <a:rPr lang="en-US" dirty="0"/>
+              <a:t>, </a:t>
+            </a:r>
+            <a:r>
+              <a:rPr lang="ru-RU" dirty="0"/>
+              <a:t>если не все необходимые файлы присутствуют</a:t>
+            </a:r>
+            <a:r>
+              <a:rPr lang="en-US" dirty="0"/>
+              <a:t>;</a:t>
+            </a:r>
+            <a:endParaRPr lang="ru-RU" dirty="0"/>
+          </a:p>
+          <a:p>
+            <a:r>
+              <a:rPr lang="ru-RU" dirty="0"/>
+              <a:t>Запись количества заработанных очков в файл.</a:t>
+            </a:r>
+            <a:endParaRPr lang="en-US" dirty="0"/>
+          </a:p>
+          <a:p>
+            <a:endParaRPr lang="ru-RU" dirty="0"/>
           </a:p>
         </p:txBody>
       </p:sp>
@@ -4012,7 +4061,7 @@
           <a:p>
             <a:r>
               <a:rPr lang="ru-RU" dirty="0"/>
-              <a:t>Создание красивого интерфейса</a:t>
+              <a:t>Создание интересного интерфейса</a:t>
             </a:r>
             <a:r>
               <a:rPr lang="en-US" dirty="0"/>
